--- a/Presentazione/Parte_Eli.pptx
+++ b/Presentazione/Parte_Eli.pptx
@@ -186,6 +186,51 @@
 </p:presentation>
 </file>
 
+<file path=ppt/changesInfos/changesInfo1.xml><?xml version="1.0" encoding="utf-8"?>
+<pc:chgInfo xmlns:a="http://schemas.openxmlformats.org/drawingml/2006/main" xmlns:r="http://schemas.openxmlformats.org/officeDocument/2006/relationships" xmlns:ac="http://schemas.microsoft.com/office/drawing/2013/main/command" xmlns:pc="http://schemas.microsoft.com/office/powerpoint/2013/main/command">
+  <pc:docChgLst>
+    <pc:chgData name="g.carbone8@campus.unimib.it" userId="b00d38c9-59ca-445d-a206-84026ffe8624" providerId="ADAL" clId="{1D5997A9-8ED1-473A-872E-DB9E043D3192}"/>
+    <pc:docChg chg="modSld">
+      <pc:chgData name="g.carbone8@campus.unimib.it" userId="b00d38c9-59ca-445d-a206-84026ffe8624" providerId="ADAL" clId="{1D5997A9-8ED1-473A-872E-DB9E043D3192}" dt="2021-12-26T18:55:24.359" v="2" actId="1076"/>
+      <pc:docMkLst>
+        <pc:docMk/>
+      </pc:docMkLst>
+      <pc:sldChg chg="modSp mod">
+        <pc:chgData name="g.carbone8@campus.unimib.it" userId="b00d38c9-59ca-445d-a206-84026ffe8624" providerId="ADAL" clId="{1D5997A9-8ED1-473A-872E-DB9E043D3192}" dt="2021-12-26T18:55:24.359" v="2" actId="1076"/>
+        <pc:sldMkLst>
+          <pc:docMk/>
+          <pc:sldMk cId="455169881" sldId="293"/>
+        </pc:sldMkLst>
+        <pc:picChg chg="mod">
+          <ac:chgData name="g.carbone8@campus.unimib.it" userId="b00d38c9-59ca-445d-a206-84026ffe8624" providerId="ADAL" clId="{1D5997A9-8ED1-473A-872E-DB9E043D3192}" dt="2021-12-26T18:55:24.359" v="2" actId="1076"/>
+          <ac:picMkLst>
+            <pc:docMk/>
+            <pc:sldMk cId="455169881" sldId="293"/>
+            <ac:picMk id="3" creationId="{CB440700-8E7D-884F-8028-24A5528684F2}"/>
+          </ac:picMkLst>
+        </pc:picChg>
+        <pc:picChg chg="mod">
+          <ac:chgData name="g.carbone8@campus.unimib.it" userId="b00d38c9-59ca-445d-a206-84026ffe8624" providerId="ADAL" clId="{1D5997A9-8ED1-473A-872E-DB9E043D3192}" dt="2021-12-26T18:55:14.622" v="0" actId="1076"/>
+          <ac:picMkLst>
+            <pc:docMk/>
+            <pc:sldMk cId="455169881" sldId="293"/>
+            <ac:picMk id="7" creationId="{EEACD5FD-4EE0-A941-BE62-833D65F88CD5}"/>
+          </ac:picMkLst>
+        </pc:picChg>
+        <pc:picChg chg="mod">
+          <ac:chgData name="g.carbone8@campus.unimib.it" userId="b00d38c9-59ca-445d-a206-84026ffe8624" providerId="ADAL" clId="{1D5997A9-8ED1-473A-872E-DB9E043D3192}" dt="2021-12-26T18:55:19.644" v="1" actId="1076"/>
+          <ac:picMkLst>
+            <pc:docMk/>
+            <pc:sldMk cId="455169881" sldId="293"/>
+            <ac:picMk id="8" creationId="{F56D7127-22F3-994B-984E-3417C10418C8}"/>
+          </ac:picMkLst>
+        </pc:picChg>
+      </pc:sldChg>
+    </pc:docChg>
+  </pc:docChgLst>
+</pc:chgInfo>
+</file>
+
 <file path=ppt/notesMasters/notesMaster1.xml><?xml version="1.0" encoding="utf-8"?>
 <p:notesMaster xmlns:a="http://schemas.openxmlformats.org/drawingml/2006/main" xmlns:r="http://schemas.openxmlformats.org/officeDocument/2006/relationships" xmlns:p="http://schemas.openxmlformats.org/presentationml/2006/main">
   <p:cSld>
@@ -268,7 +313,7 @@
           <a:p>
             <a:fld id="{445FCF14-918E-4047-8BBB-15CFF9EA5E07}" type="datetimeFigureOut">
               <a:rPr lang="it-IT" smtClean="0"/>
-              <a:t>26/12/21</a:t>
+              <a:t>26/12/2021</a:t>
             </a:fld>
             <a:endParaRPr lang="it-IT"/>
           </a:p>
@@ -682,7 +727,7 @@
           <a:p>
             <a:fld id="{AA3A6BE5-8C39-481F-A270-BEF917F1E5E1}" type="datetimeFigureOut">
               <a:rPr lang="it-IT" smtClean="0"/>
-              <a:t>26/12/21</a:t>
+              <a:t>26/12/2021</a:t>
             </a:fld>
             <a:endParaRPr lang="it-IT"/>
           </a:p>
@@ -880,7 +925,7 @@
           <a:p>
             <a:fld id="{AA3A6BE5-8C39-481F-A270-BEF917F1E5E1}" type="datetimeFigureOut">
               <a:rPr lang="it-IT" smtClean="0"/>
-              <a:t>26/12/21</a:t>
+              <a:t>26/12/2021</a:t>
             </a:fld>
             <a:endParaRPr lang="it-IT"/>
           </a:p>
@@ -1088,7 +1133,7 @@
           <a:p>
             <a:fld id="{AA3A6BE5-8C39-481F-A270-BEF917F1E5E1}" type="datetimeFigureOut">
               <a:rPr lang="it-IT" smtClean="0"/>
-              <a:t>26/12/21</a:t>
+              <a:t>26/12/2021</a:t>
             </a:fld>
             <a:endParaRPr lang="it-IT"/>
           </a:p>
@@ -1286,7 +1331,7 @@
           <a:p>
             <a:fld id="{AA3A6BE5-8C39-481F-A270-BEF917F1E5E1}" type="datetimeFigureOut">
               <a:rPr lang="it-IT" smtClean="0"/>
-              <a:t>26/12/21</a:t>
+              <a:t>26/12/2021</a:t>
             </a:fld>
             <a:endParaRPr lang="it-IT"/>
           </a:p>
@@ -1561,7 +1606,7 @@
           <a:p>
             <a:fld id="{AA3A6BE5-8C39-481F-A270-BEF917F1E5E1}" type="datetimeFigureOut">
               <a:rPr lang="it-IT" smtClean="0"/>
-              <a:t>26/12/21</a:t>
+              <a:t>26/12/2021</a:t>
             </a:fld>
             <a:endParaRPr lang="it-IT"/>
           </a:p>
@@ -1826,7 +1871,7 @@
           <a:p>
             <a:fld id="{AA3A6BE5-8C39-481F-A270-BEF917F1E5E1}" type="datetimeFigureOut">
               <a:rPr lang="it-IT" smtClean="0"/>
-              <a:t>26/12/21</a:t>
+              <a:t>26/12/2021</a:t>
             </a:fld>
             <a:endParaRPr lang="it-IT"/>
           </a:p>
@@ -2238,7 +2283,7 @@
           <a:p>
             <a:fld id="{AA3A6BE5-8C39-481F-A270-BEF917F1E5E1}" type="datetimeFigureOut">
               <a:rPr lang="it-IT" smtClean="0"/>
-              <a:t>26/12/21</a:t>
+              <a:t>26/12/2021</a:t>
             </a:fld>
             <a:endParaRPr lang="it-IT"/>
           </a:p>
@@ -2379,7 +2424,7 @@
           <a:p>
             <a:fld id="{AA3A6BE5-8C39-481F-A270-BEF917F1E5E1}" type="datetimeFigureOut">
               <a:rPr lang="it-IT" smtClean="0"/>
-              <a:t>26/12/21</a:t>
+              <a:t>26/12/2021</a:t>
             </a:fld>
             <a:endParaRPr lang="it-IT"/>
           </a:p>
@@ -2492,7 +2537,7 @@
           <a:p>
             <a:fld id="{AA3A6BE5-8C39-481F-A270-BEF917F1E5E1}" type="datetimeFigureOut">
               <a:rPr lang="it-IT" smtClean="0"/>
-              <a:t>26/12/21</a:t>
+              <a:t>26/12/2021</a:t>
             </a:fld>
             <a:endParaRPr lang="it-IT"/>
           </a:p>
@@ -2803,7 +2848,7 @@
           <a:p>
             <a:fld id="{AA3A6BE5-8C39-481F-A270-BEF917F1E5E1}" type="datetimeFigureOut">
               <a:rPr lang="it-IT" smtClean="0"/>
-              <a:t>26/12/21</a:t>
+              <a:t>26/12/2021</a:t>
             </a:fld>
             <a:endParaRPr lang="it-IT"/>
           </a:p>
@@ -3091,7 +3136,7 @@
           <a:p>
             <a:fld id="{AA3A6BE5-8C39-481F-A270-BEF917F1E5E1}" type="datetimeFigureOut">
               <a:rPr lang="it-IT" smtClean="0"/>
-              <a:t>26/12/21</a:t>
+              <a:t>26/12/2021</a:t>
             </a:fld>
             <a:endParaRPr lang="it-IT"/>
           </a:p>
@@ -3332,7 +3377,7 @@
           <a:p>
             <a:fld id="{AA3A6BE5-8C39-481F-A270-BEF917F1E5E1}" type="datetimeFigureOut">
               <a:rPr lang="it-IT" smtClean="0"/>
-              <a:t>26/12/21</a:t>
+              <a:t>26/12/2021</a:t>
             </a:fld>
             <a:endParaRPr lang="it-IT"/>
           </a:p>
@@ -5038,7 +5083,7 @@
         </p:blipFill>
         <p:spPr bwMode="auto">
           <a:xfrm>
-            <a:off x="6308612" y="991007"/>
+            <a:off x="6308612" y="549275"/>
             <a:ext cx="2863963" cy="2294939"/>
           </a:xfrm>
           <a:prstGeom prst="rect">
@@ -5082,7 +5127,7 @@
         </p:blipFill>
         <p:spPr bwMode="auto">
           <a:xfrm>
-            <a:off x="6283756" y="3727678"/>
+            <a:off x="6283755" y="3429000"/>
             <a:ext cx="3817508" cy="2246992"/>
           </a:xfrm>
           <a:prstGeom prst="rect">
@@ -5121,7 +5166,7 @@
         </p:blipFill>
         <p:spPr>
           <a:xfrm>
-            <a:off x="9365457" y="4425683"/>
+            <a:off x="9365457" y="4796251"/>
             <a:ext cx="2314578" cy="1548987"/>
           </a:xfrm>
           <a:prstGeom prst="rect">
